--- a/.private/docs/Approved Title/Storyboard/storyboard.pptx
+++ b/.private/docs/Approved Title/Storyboard/storyboard.pptx
@@ -5,8 +5,9 @@
     <p:sldMasterId id="2147483648" r:id="rId1"/>
   </p:sldMasterIdLst>
   <p:sldIdLst>
-    <p:sldId id="256" r:id="rId2"/>
-    <p:sldId id="257" r:id="rId3"/>
+    <p:sldId id="258" r:id="rId2"/>
+    <p:sldId id="256" r:id="rId3"/>
+    <p:sldId id="257" r:id="rId4"/>
   </p:sldIdLst>
   <p:sldSz cx="12192000" cy="6858000"/>
   <p:notesSz cx="6858000" cy="9144000"/>
@@ -105,6 +106,11 @@
       </a:defRPr>
     </a:lvl9pPr>
   </p:defaultTextStyle>
+  <p:extLst>
+    <p:ext uri="{EFAFB233-063F-42B5-8137-9DF3F51BA10A}">
+      <p15:sldGuideLst xmlns:p15="http://schemas.microsoft.com/office/powerpoint/2012/main"/>
+    </p:ext>
+  </p:extLst>
 </p:presentation>
 </file>
 
@@ -257,7 +263,7 @@
           <a:p>
             <a:fld id="{48BAB316-A2AE-4ED5-BC17-7EC21C662531}" type="datetimeFigureOut">
               <a:rPr lang="en-PH" smtClean="0"/>
-              <a:t>15/04/2021</a:t>
+              <a:t>27/04/2021</a:t>
             </a:fld>
             <a:endParaRPr lang="en-PH"/>
           </a:p>
@@ -457,7 +463,7 @@
           <a:p>
             <a:fld id="{48BAB316-A2AE-4ED5-BC17-7EC21C662531}" type="datetimeFigureOut">
               <a:rPr lang="en-PH" smtClean="0"/>
-              <a:t>15/04/2021</a:t>
+              <a:t>27/04/2021</a:t>
             </a:fld>
             <a:endParaRPr lang="en-PH"/>
           </a:p>
@@ -667,7 +673,7 @@
           <a:p>
             <a:fld id="{48BAB316-A2AE-4ED5-BC17-7EC21C662531}" type="datetimeFigureOut">
               <a:rPr lang="en-PH" smtClean="0"/>
-              <a:t>15/04/2021</a:t>
+              <a:t>27/04/2021</a:t>
             </a:fld>
             <a:endParaRPr lang="en-PH"/>
           </a:p>
@@ -867,7 +873,7 @@
           <a:p>
             <a:fld id="{48BAB316-A2AE-4ED5-BC17-7EC21C662531}" type="datetimeFigureOut">
               <a:rPr lang="en-PH" smtClean="0"/>
-              <a:t>15/04/2021</a:t>
+              <a:t>27/04/2021</a:t>
             </a:fld>
             <a:endParaRPr lang="en-PH"/>
           </a:p>
@@ -1143,7 +1149,7 @@
           <a:p>
             <a:fld id="{48BAB316-A2AE-4ED5-BC17-7EC21C662531}" type="datetimeFigureOut">
               <a:rPr lang="en-PH" smtClean="0"/>
-              <a:t>15/04/2021</a:t>
+              <a:t>27/04/2021</a:t>
             </a:fld>
             <a:endParaRPr lang="en-PH"/>
           </a:p>
@@ -1411,7 +1417,7 @@
           <a:p>
             <a:fld id="{48BAB316-A2AE-4ED5-BC17-7EC21C662531}" type="datetimeFigureOut">
               <a:rPr lang="en-PH" smtClean="0"/>
-              <a:t>15/04/2021</a:t>
+              <a:t>27/04/2021</a:t>
             </a:fld>
             <a:endParaRPr lang="en-PH"/>
           </a:p>
@@ -1826,7 +1832,7 @@
           <a:p>
             <a:fld id="{48BAB316-A2AE-4ED5-BC17-7EC21C662531}" type="datetimeFigureOut">
               <a:rPr lang="en-PH" smtClean="0"/>
-              <a:t>15/04/2021</a:t>
+              <a:t>27/04/2021</a:t>
             </a:fld>
             <a:endParaRPr lang="en-PH"/>
           </a:p>
@@ -1968,7 +1974,7 @@
           <a:p>
             <a:fld id="{48BAB316-A2AE-4ED5-BC17-7EC21C662531}" type="datetimeFigureOut">
               <a:rPr lang="en-PH" smtClean="0"/>
-              <a:t>15/04/2021</a:t>
+              <a:t>27/04/2021</a:t>
             </a:fld>
             <a:endParaRPr lang="en-PH"/>
           </a:p>
@@ -2081,7 +2087,7 @@
           <a:p>
             <a:fld id="{48BAB316-A2AE-4ED5-BC17-7EC21C662531}" type="datetimeFigureOut">
               <a:rPr lang="en-PH" smtClean="0"/>
-              <a:t>15/04/2021</a:t>
+              <a:t>27/04/2021</a:t>
             </a:fld>
             <a:endParaRPr lang="en-PH"/>
           </a:p>
@@ -2394,7 +2400,7 @@
           <a:p>
             <a:fld id="{48BAB316-A2AE-4ED5-BC17-7EC21C662531}" type="datetimeFigureOut">
               <a:rPr lang="en-PH" smtClean="0"/>
-              <a:t>15/04/2021</a:t>
+              <a:t>27/04/2021</a:t>
             </a:fld>
             <a:endParaRPr lang="en-PH"/>
           </a:p>
@@ -2683,7 +2689,7 @@
           <a:p>
             <a:fld id="{48BAB316-A2AE-4ED5-BC17-7EC21C662531}" type="datetimeFigureOut">
               <a:rPr lang="en-PH" smtClean="0"/>
-              <a:t>15/04/2021</a:t>
+              <a:t>27/04/2021</a:t>
             </a:fld>
             <a:endParaRPr lang="en-PH"/>
           </a:p>
@@ -2926,7 +2932,7 @@
           <a:p>
             <a:fld id="{48BAB316-A2AE-4ED5-BC17-7EC21C662531}" type="datetimeFigureOut">
               <a:rPr lang="en-PH" smtClean="0"/>
-              <a:t>15/04/2021</a:t>
+              <a:t>27/04/2021</a:t>
             </a:fld>
             <a:endParaRPr lang="en-PH"/>
           </a:p>
@@ -3327,6 +3333,1314 @@
 </file>
 
 <file path=ppt/slides/slide1.xml><?xml version="1.0" encoding="utf-8"?>
+<p:sld xmlns:a="http://schemas.openxmlformats.org/drawingml/2006/main" xmlns:r="http://schemas.openxmlformats.org/officeDocument/2006/relationships" xmlns:p="http://schemas.openxmlformats.org/presentationml/2006/main">
+  <p:cSld>
+    <p:spTree>
+      <p:nvGrpSpPr>
+        <p:cNvPr id="1" name=""/>
+        <p:cNvGrpSpPr/>
+        <p:nvPr/>
+      </p:nvGrpSpPr>
+      <p:grpSpPr>
+        <a:xfrm>
+          <a:off x="0" y="0"/>
+          <a:ext cx="0" cy="0"/>
+          <a:chOff x="0" y="0"/>
+          <a:chExt cx="0" cy="0"/>
+        </a:xfrm>
+      </p:grpSpPr>
+      <p:sp>
+        <p:nvSpPr>
+          <p:cNvPr id="4" name="Rectangle 3">
+            <a:extLst>
+              <a:ext uri="{FF2B5EF4-FFF2-40B4-BE49-F238E27FC236}">
+                <a16:creationId xmlns:a16="http://schemas.microsoft.com/office/drawing/2014/main" id="{847E9F7F-3AF9-4FAA-BB3A-2C0E846A0502}"/>
+              </a:ext>
+            </a:extLst>
+          </p:cNvPr>
+          <p:cNvSpPr/>
+          <p:nvPr/>
+        </p:nvSpPr>
+        <p:spPr>
+          <a:xfrm>
+            <a:off x="4476000" y="549000"/>
+            <a:ext cx="3240000" cy="5760000"/>
+          </a:xfrm>
+          <a:prstGeom prst="rect">
+            <a:avLst/>
+          </a:prstGeom>
+          <a:solidFill>
+            <a:schemeClr val="bg1"/>
+          </a:solidFill>
+        </p:spPr>
+        <p:style>
+          <a:lnRef idx="2">
+            <a:schemeClr val="accent1">
+              <a:shade val="50000"/>
+            </a:schemeClr>
+          </a:lnRef>
+          <a:fillRef idx="1">
+            <a:schemeClr val="accent1"/>
+          </a:fillRef>
+          <a:effectRef idx="0">
+            <a:schemeClr val="accent1"/>
+          </a:effectRef>
+          <a:fontRef idx="minor">
+            <a:schemeClr val="lt1"/>
+          </a:fontRef>
+        </p:style>
+        <p:txBody>
+          <a:bodyPr rtlCol="0" anchor="ctr"/>
+          <a:lstStyle/>
+          <a:p>
+            <a:pPr algn="ctr"/>
+            <a:endParaRPr lang="en-PH"/>
+          </a:p>
+        </p:txBody>
+      </p:sp>
+      <p:grpSp>
+        <p:nvGrpSpPr>
+          <p:cNvPr id="13" name="Group 12">
+            <a:extLst>
+              <a:ext uri="{FF2B5EF4-FFF2-40B4-BE49-F238E27FC236}">
+                <a16:creationId xmlns:a16="http://schemas.microsoft.com/office/drawing/2014/main" id="{9030D296-65AC-4FDC-A03D-3A06D038DFFF}"/>
+              </a:ext>
+            </a:extLst>
+          </p:cNvPr>
+          <p:cNvGrpSpPr/>
+          <p:nvPr/>
+        </p:nvGrpSpPr>
+        <p:grpSpPr>
+          <a:xfrm>
+            <a:off x="5740107" y="3646849"/>
+            <a:ext cx="775996" cy="1179671"/>
+            <a:chOff x="1091682" y="1562878"/>
+            <a:chExt cx="2845836" cy="4338734"/>
+          </a:xfrm>
+        </p:grpSpPr>
+        <p:sp>
+          <p:nvSpPr>
+            <p:cNvPr id="8" name="Rectangle 7">
+              <a:extLst>
+                <a:ext uri="{FF2B5EF4-FFF2-40B4-BE49-F238E27FC236}">
+                  <a16:creationId xmlns:a16="http://schemas.microsoft.com/office/drawing/2014/main" id="{61E2EF95-FC8B-40A6-9EA8-DF2682F3C8E5}"/>
+                </a:ext>
+              </a:extLst>
+            </p:cNvPr>
+            <p:cNvSpPr/>
+            <p:nvPr/>
+          </p:nvSpPr>
+          <p:spPr>
+            <a:xfrm>
+              <a:off x="1558212" y="2099388"/>
+              <a:ext cx="1912776" cy="3265714"/>
+            </a:xfrm>
+            <a:prstGeom prst="rect">
+              <a:avLst/>
+            </a:prstGeom>
+            <a:scene3d>
+              <a:camera prst="orthographicFront"/>
+              <a:lightRig rig="threePt" dir="t"/>
+            </a:scene3d>
+            <a:sp3d>
+              <a:bevelT/>
+            </a:sp3d>
+          </p:spPr>
+          <p:style>
+            <a:lnRef idx="2">
+              <a:schemeClr val="accent4">
+                <a:shade val="50000"/>
+              </a:schemeClr>
+            </a:lnRef>
+            <a:fillRef idx="1">
+              <a:schemeClr val="accent4"/>
+            </a:fillRef>
+            <a:effectRef idx="0">
+              <a:schemeClr val="accent4"/>
+            </a:effectRef>
+            <a:fontRef idx="minor">
+              <a:schemeClr val="lt1"/>
+            </a:fontRef>
+          </p:style>
+          <p:txBody>
+            <a:bodyPr rtlCol="0" anchor="ctr"/>
+            <a:lstStyle/>
+            <a:p>
+              <a:pPr algn="ctr"/>
+              <a:endParaRPr lang="en-PH"/>
+            </a:p>
+          </p:txBody>
+        </p:sp>
+        <p:sp>
+          <p:nvSpPr>
+            <p:cNvPr id="9" name="Rectangle: Rounded Corners 8">
+              <a:extLst>
+                <a:ext uri="{FF2B5EF4-FFF2-40B4-BE49-F238E27FC236}">
+                  <a16:creationId xmlns:a16="http://schemas.microsoft.com/office/drawing/2014/main" id="{7C81665B-BE1D-461F-9549-647D9D82EA32}"/>
+                </a:ext>
+              </a:extLst>
+            </p:cNvPr>
+            <p:cNvSpPr/>
+            <p:nvPr/>
+          </p:nvSpPr>
+          <p:spPr>
+            <a:xfrm>
+              <a:off x="1091682" y="1562878"/>
+              <a:ext cx="394580" cy="1073020"/>
+            </a:xfrm>
+            <a:prstGeom prst="roundRect">
+              <a:avLst>
+                <a:gd name="adj" fmla="val 50000"/>
+              </a:avLst>
+            </a:prstGeom>
+            <a:scene3d>
+              <a:camera prst="orthographicFront"/>
+              <a:lightRig rig="threePt" dir="t"/>
+            </a:scene3d>
+            <a:sp3d>
+              <a:bevelT/>
+            </a:sp3d>
+          </p:spPr>
+          <p:style>
+            <a:lnRef idx="2">
+              <a:schemeClr val="accent4">
+                <a:shade val="50000"/>
+              </a:schemeClr>
+            </a:lnRef>
+            <a:fillRef idx="1">
+              <a:schemeClr val="accent4"/>
+            </a:fillRef>
+            <a:effectRef idx="0">
+              <a:schemeClr val="accent4"/>
+            </a:effectRef>
+            <a:fontRef idx="minor">
+              <a:schemeClr val="lt1"/>
+            </a:fontRef>
+          </p:style>
+          <p:txBody>
+            <a:bodyPr rtlCol="0" anchor="ctr"/>
+            <a:lstStyle/>
+            <a:p>
+              <a:pPr algn="ctr"/>
+              <a:endParaRPr lang="en-PH"/>
+            </a:p>
+          </p:txBody>
+        </p:sp>
+        <p:sp>
+          <p:nvSpPr>
+            <p:cNvPr id="10" name="Rectangle: Rounded Corners 9">
+              <a:extLst>
+                <a:ext uri="{FF2B5EF4-FFF2-40B4-BE49-F238E27FC236}">
+                  <a16:creationId xmlns:a16="http://schemas.microsoft.com/office/drawing/2014/main" id="{81EEC104-1C6D-4782-888B-CF39B337409B}"/>
+                </a:ext>
+              </a:extLst>
+            </p:cNvPr>
+            <p:cNvSpPr/>
+            <p:nvPr/>
+          </p:nvSpPr>
+          <p:spPr>
+            <a:xfrm>
+              <a:off x="3542938" y="1562878"/>
+              <a:ext cx="394580" cy="1073020"/>
+            </a:xfrm>
+            <a:prstGeom prst="roundRect">
+              <a:avLst>
+                <a:gd name="adj" fmla="val 50000"/>
+              </a:avLst>
+            </a:prstGeom>
+            <a:scene3d>
+              <a:camera prst="orthographicFront"/>
+              <a:lightRig rig="threePt" dir="t"/>
+            </a:scene3d>
+            <a:sp3d>
+              <a:bevelT/>
+            </a:sp3d>
+          </p:spPr>
+          <p:style>
+            <a:lnRef idx="2">
+              <a:schemeClr val="accent4">
+                <a:shade val="50000"/>
+              </a:schemeClr>
+            </a:lnRef>
+            <a:fillRef idx="1">
+              <a:schemeClr val="accent4"/>
+            </a:fillRef>
+            <a:effectRef idx="0">
+              <a:schemeClr val="accent4"/>
+            </a:effectRef>
+            <a:fontRef idx="minor">
+              <a:schemeClr val="lt1"/>
+            </a:fontRef>
+          </p:style>
+          <p:txBody>
+            <a:bodyPr rtlCol="0" anchor="ctr"/>
+            <a:lstStyle/>
+            <a:p>
+              <a:pPr algn="ctr"/>
+              <a:endParaRPr lang="en-PH"/>
+            </a:p>
+          </p:txBody>
+        </p:sp>
+        <p:sp>
+          <p:nvSpPr>
+            <p:cNvPr id="11" name="Rectangle: Rounded Corners 10">
+              <a:extLst>
+                <a:ext uri="{FF2B5EF4-FFF2-40B4-BE49-F238E27FC236}">
+                  <a16:creationId xmlns:a16="http://schemas.microsoft.com/office/drawing/2014/main" id="{F4712B15-C732-4A60-8876-D79C2AD21F3B}"/>
+                </a:ext>
+              </a:extLst>
+            </p:cNvPr>
+            <p:cNvSpPr/>
+            <p:nvPr/>
+          </p:nvSpPr>
+          <p:spPr>
+            <a:xfrm>
+              <a:off x="1091682" y="4828592"/>
+              <a:ext cx="394580" cy="1073020"/>
+            </a:xfrm>
+            <a:prstGeom prst="roundRect">
+              <a:avLst>
+                <a:gd name="adj" fmla="val 50000"/>
+              </a:avLst>
+            </a:prstGeom>
+            <a:scene3d>
+              <a:camera prst="orthographicFront"/>
+              <a:lightRig rig="threePt" dir="t"/>
+            </a:scene3d>
+            <a:sp3d>
+              <a:bevelT/>
+            </a:sp3d>
+          </p:spPr>
+          <p:style>
+            <a:lnRef idx="2">
+              <a:schemeClr val="accent4">
+                <a:shade val="50000"/>
+              </a:schemeClr>
+            </a:lnRef>
+            <a:fillRef idx="1">
+              <a:schemeClr val="accent4"/>
+            </a:fillRef>
+            <a:effectRef idx="0">
+              <a:schemeClr val="accent4"/>
+            </a:effectRef>
+            <a:fontRef idx="minor">
+              <a:schemeClr val="lt1"/>
+            </a:fontRef>
+          </p:style>
+          <p:txBody>
+            <a:bodyPr rtlCol="0" anchor="ctr"/>
+            <a:lstStyle/>
+            <a:p>
+              <a:pPr algn="ctr"/>
+              <a:endParaRPr lang="en-PH"/>
+            </a:p>
+          </p:txBody>
+        </p:sp>
+        <p:sp>
+          <p:nvSpPr>
+            <p:cNvPr id="12" name="Rectangle: Rounded Corners 11">
+              <a:extLst>
+                <a:ext uri="{FF2B5EF4-FFF2-40B4-BE49-F238E27FC236}">
+                  <a16:creationId xmlns:a16="http://schemas.microsoft.com/office/drawing/2014/main" id="{4A6DEC93-F814-48C1-B1DF-B939A0E9DD16}"/>
+                </a:ext>
+              </a:extLst>
+            </p:cNvPr>
+            <p:cNvSpPr/>
+            <p:nvPr/>
+          </p:nvSpPr>
+          <p:spPr>
+            <a:xfrm>
+              <a:off x="3542938" y="4828592"/>
+              <a:ext cx="394580" cy="1073020"/>
+            </a:xfrm>
+            <a:prstGeom prst="roundRect">
+              <a:avLst>
+                <a:gd name="adj" fmla="val 50000"/>
+              </a:avLst>
+            </a:prstGeom>
+            <a:scene3d>
+              <a:camera prst="orthographicFront"/>
+              <a:lightRig rig="threePt" dir="t"/>
+            </a:scene3d>
+            <a:sp3d>
+              <a:bevelT/>
+            </a:sp3d>
+          </p:spPr>
+          <p:style>
+            <a:lnRef idx="2">
+              <a:schemeClr val="accent4">
+                <a:shade val="50000"/>
+              </a:schemeClr>
+            </a:lnRef>
+            <a:fillRef idx="1">
+              <a:schemeClr val="accent4"/>
+            </a:fillRef>
+            <a:effectRef idx="0">
+              <a:schemeClr val="accent4"/>
+            </a:effectRef>
+            <a:fontRef idx="minor">
+              <a:schemeClr val="lt1"/>
+            </a:fontRef>
+          </p:style>
+          <p:txBody>
+            <a:bodyPr rtlCol="0" anchor="ctr"/>
+            <a:lstStyle/>
+            <a:p>
+              <a:pPr algn="ctr"/>
+              <a:endParaRPr lang="en-PH"/>
+            </a:p>
+          </p:txBody>
+        </p:sp>
+      </p:grpSp>
+      <p:grpSp>
+        <p:nvGrpSpPr>
+          <p:cNvPr id="23" name="Group 22">
+            <a:extLst>
+              <a:ext uri="{FF2B5EF4-FFF2-40B4-BE49-F238E27FC236}">
+                <a16:creationId xmlns:a16="http://schemas.microsoft.com/office/drawing/2014/main" id="{A3FE11E6-E62D-45E8-B10F-83BDC5C07B69}"/>
+              </a:ext>
+            </a:extLst>
+          </p:cNvPr>
+          <p:cNvGrpSpPr/>
+          <p:nvPr/>
+        </p:nvGrpSpPr>
+        <p:grpSpPr>
+          <a:xfrm>
+            <a:off x="4725186" y="5134086"/>
+            <a:ext cx="1255626" cy="537351"/>
+            <a:chOff x="1621793" y="3868532"/>
+            <a:chExt cx="1942816" cy="831438"/>
+          </a:xfrm>
+        </p:grpSpPr>
+        <p:sp>
+          <p:nvSpPr>
+            <p:cNvPr id="21" name="Arrow: Chevron 20">
+              <a:extLst>
+                <a:ext uri="{FF2B5EF4-FFF2-40B4-BE49-F238E27FC236}">
+                  <a16:creationId xmlns:a16="http://schemas.microsoft.com/office/drawing/2014/main" id="{6103627D-AF8D-4CE0-9E70-90DE96973C22}"/>
+                </a:ext>
+              </a:extLst>
+            </p:cNvPr>
+            <p:cNvSpPr/>
+            <p:nvPr/>
+          </p:nvSpPr>
+          <p:spPr>
+            <a:xfrm>
+              <a:off x="2733171" y="3868532"/>
+              <a:ext cx="831438" cy="831438"/>
+            </a:xfrm>
+            <a:prstGeom prst="chevron">
+              <a:avLst/>
+            </a:prstGeom>
+            <a:scene3d>
+              <a:camera prst="orthographicFront"/>
+              <a:lightRig rig="threePt" dir="t"/>
+            </a:scene3d>
+            <a:sp3d>
+              <a:bevelT w="152400" h="50800" prst="softRound"/>
+            </a:sp3d>
+          </p:spPr>
+          <p:style>
+            <a:lnRef idx="2">
+              <a:schemeClr val="accent1">
+                <a:shade val="50000"/>
+              </a:schemeClr>
+            </a:lnRef>
+            <a:fillRef idx="1">
+              <a:schemeClr val="accent1"/>
+            </a:fillRef>
+            <a:effectRef idx="0">
+              <a:schemeClr val="accent1"/>
+            </a:effectRef>
+            <a:fontRef idx="minor">
+              <a:schemeClr val="lt1"/>
+            </a:fontRef>
+          </p:style>
+          <p:txBody>
+            <a:bodyPr rtlCol="0" anchor="ctr"/>
+            <a:lstStyle/>
+            <a:p>
+              <a:pPr algn="ctr"/>
+              <a:endParaRPr lang="en-PH"/>
+            </a:p>
+          </p:txBody>
+        </p:sp>
+        <p:sp>
+          <p:nvSpPr>
+            <p:cNvPr id="22" name="Arrow: Chevron 21">
+              <a:extLst>
+                <a:ext uri="{FF2B5EF4-FFF2-40B4-BE49-F238E27FC236}">
+                  <a16:creationId xmlns:a16="http://schemas.microsoft.com/office/drawing/2014/main" id="{CBA8BA1B-033C-4E9E-A984-09F40BE3C169}"/>
+                </a:ext>
+              </a:extLst>
+            </p:cNvPr>
+            <p:cNvSpPr/>
+            <p:nvPr/>
+          </p:nvSpPr>
+          <p:spPr>
+            <a:xfrm rot="10800000">
+              <a:off x="1621793" y="3868532"/>
+              <a:ext cx="831438" cy="831438"/>
+            </a:xfrm>
+            <a:prstGeom prst="chevron">
+              <a:avLst/>
+            </a:prstGeom>
+            <a:scene3d>
+              <a:camera prst="orthographicFront"/>
+              <a:lightRig rig="threePt" dir="t"/>
+            </a:scene3d>
+            <a:sp3d>
+              <a:bevelT w="152400" h="50800" prst="softRound"/>
+            </a:sp3d>
+          </p:spPr>
+          <p:style>
+            <a:lnRef idx="2">
+              <a:schemeClr val="accent1">
+                <a:shade val="50000"/>
+              </a:schemeClr>
+            </a:lnRef>
+            <a:fillRef idx="1">
+              <a:schemeClr val="accent1"/>
+            </a:fillRef>
+            <a:effectRef idx="0">
+              <a:schemeClr val="accent1"/>
+            </a:effectRef>
+            <a:fontRef idx="minor">
+              <a:schemeClr val="lt1"/>
+            </a:fontRef>
+          </p:style>
+          <p:txBody>
+            <a:bodyPr rtlCol="0" anchor="ctr"/>
+            <a:lstStyle/>
+            <a:p>
+              <a:pPr algn="ctr"/>
+              <a:endParaRPr lang="en-PH"/>
+            </a:p>
+          </p:txBody>
+        </p:sp>
+      </p:grpSp>
+      <p:grpSp>
+        <p:nvGrpSpPr>
+          <p:cNvPr id="89" name="Group 88">
+            <a:extLst>
+              <a:ext uri="{FF2B5EF4-FFF2-40B4-BE49-F238E27FC236}">
+                <a16:creationId xmlns:a16="http://schemas.microsoft.com/office/drawing/2014/main" id="{3B78150B-64C0-49D1-893F-AAE62EF477E4}"/>
+              </a:ext>
+            </a:extLst>
+          </p:cNvPr>
+          <p:cNvGrpSpPr/>
+          <p:nvPr/>
+        </p:nvGrpSpPr>
+        <p:grpSpPr>
+          <a:xfrm>
+            <a:off x="6729201" y="4712407"/>
+            <a:ext cx="585441" cy="1380707"/>
+            <a:chOff x="3276874" y="4489978"/>
+            <a:chExt cx="585441" cy="1380707"/>
+          </a:xfrm>
+        </p:grpSpPr>
+        <p:sp>
+          <p:nvSpPr>
+            <p:cNvPr id="24" name="Oval 23">
+              <a:extLst>
+                <a:ext uri="{FF2B5EF4-FFF2-40B4-BE49-F238E27FC236}">
+                  <a16:creationId xmlns:a16="http://schemas.microsoft.com/office/drawing/2014/main" id="{5954DFCC-4D71-4DBD-8C23-BCCC65A6C393}"/>
+                </a:ext>
+              </a:extLst>
+            </p:cNvPr>
+            <p:cNvSpPr/>
+            <p:nvPr/>
+          </p:nvSpPr>
+          <p:spPr>
+            <a:xfrm>
+              <a:off x="3276874" y="4489978"/>
+              <a:ext cx="585441" cy="585441"/>
+            </a:xfrm>
+            <a:prstGeom prst="ellipse">
+              <a:avLst/>
+            </a:prstGeom>
+            <a:solidFill>
+              <a:srgbClr val="00B050"/>
+            </a:solidFill>
+            <a:scene3d>
+              <a:camera prst="orthographicFront"/>
+              <a:lightRig rig="threePt" dir="t"/>
+            </a:scene3d>
+            <a:sp3d>
+              <a:bevelT w="139700" h="139700" prst="divot"/>
+            </a:sp3d>
+          </p:spPr>
+          <p:style>
+            <a:lnRef idx="2">
+              <a:schemeClr val="accent1">
+                <a:shade val="50000"/>
+              </a:schemeClr>
+            </a:lnRef>
+            <a:fillRef idx="1">
+              <a:schemeClr val="accent1"/>
+            </a:fillRef>
+            <a:effectRef idx="0">
+              <a:schemeClr val="accent1"/>
+            </a:effectRef>
+            <a:fontRef idx="minor">
+              <a:schemeClr val="lt1"/>
+            </a:fontRef>
+          </p:style>
+          <p:txBody>
+            <a:bodyPr rtlCol="0" anchor="ctr"/>
+            <a:lstStyle/>
+            <a:p>
+              <a:pPr algn="ctr"/>
+              <a:r>
+                <a:rPr lang="en-PH" sz="3200" b="1" dirty="0">
+                  <a:latin typeface="Montserrat" panose="00000500000000000000" pitchFamily="2" charset="0"/>
+                </a:rPr>
+                <a:t>A</a:t>
+              </a:r>
+            </a:p>
+          </p:txBody>
+        </p:sp>
+        <p:sp>
+          <p:nvSpPr>
+            <p:cNvPr id="25" name="Oval 24">
+              <a:extLst>
+                <a:ext uri="{FF2B5EF4-FFF2-40B4-BE49-F238E27FC236}">
+                  <a16:creationId xmlns:a16="http://schemas.microsoft.com/office/drawing/2014/main" id="{2F0E60D7-FC85-4BF5-877D-17FCB3151215}"/>
+                </a:ext>
+              </a:extLst>
+            </p:cNvPr>
+            <p:cNvSpPr/>
+            <p:nvPr/>
+          </p:nvSpPr>
+          <p:spPr>
+            <a:xfrm>
+              <a:off x="3276874" y="5285244"/>
+              <a:ext cx="585441" cy="585441"/>
+            </a:xfrm>
+            <a:prstGeom prst="ellipse">
+              <a:avLst/>
+            </a:prstGeom>
+            <a:solidFill>
+              <a:schemeClr val="accent2">
+                <a:lumMod val="75000"/>
+              </a:schemeClr>
+            </a:solidFill>
+            <a:scene3d>
+              <a:camera prst="orthographicFront"/>
+              <a:lightRig rig="threePt" dir="t"/>
+            </a:scene3d>
+            <a:sp3d>
+              <a:bevelT w="139700" h="139700" prst="divot"/>
+            </a:sp3d>
+          </p:spPr>
+          <p:style>
+            <a:lnRef idx="2">
+              <a:schemeClr val="accent1">
+                <a:shade val="50000"/>
+              </a:schemeClr>
+            </a:lnRef>
+            <a:fillRef idx="1">
+              <a:schemeClr val="accent1"/>
+            </a:fillRef>
+            <a:effectRef idx="0">
+              <a:schemeClr val="accent1"/>
+            </a:effectRef>
+            <a:fontRef idx="minor">
+              <a:schemeClr val="lt1"/>
+            </a:fontRef>
+          </p:style>
+          <p:txBody>
+            <a:bodyPr rtlCol="0" anchor="ctr"/>
+            <a:lstStyle/>
+            <a:p>
+              <a:pPr algn="ctr"/>
+              <a:r>
+                <a:rPr lang="en-PH" sz="3200" b="1" dirty="0">
+                  <a:latin typeface="Montserrat" panose="00000500000000000000" pitchFamily="2" charset="0"/>
+                </a:rPr>
+                <a:t>B</a:t>
+              </a:r>
+            </a:p>
+          </p:txBody>
+        </p:sp>
+      </p:grpSp>
+      <p:sp>
+        <p:nvSpPr>
+          <p:cNvPr id="52" name="Lightning Bolt 51">
+            <a:extLst>
+              <a:ext uri="{FF2B5EF4-FFF2-40B4-BE49-F238E27FC236}">
+                <a16:creationId xmlns:a16="http://schemas.microsoft.com/office/drawing/2014/main" id="{E0DDCD3C-F5CC-40C9-A411-B4A174DE6055}"/>
+              </a:ext>
+            </a:extLst>
+          </p:cNvPr>
+          <p:cNvSpPr/>
+          <p:nvPr/>
+        </p:nvSpPr>
+        <p:spPr>
+          <a:xfrm>
+            <a:off x="5542608" y="2113508"/>
+            <a:ext cx="1170992" cy="1170992"/>
+          </a:xfrm>
+          <a:prstGeom prst="lightningBolt">
+            <a:avLst/>
+          </a:prstGeom>
+          <a:solidFill>
+            <a:schemeClr val="accent6"/>
+          </a:solidFill>
+          <a:ln>
+            <a:solidFill>
+              <a:schemeClr val="accent6">
+                <a:lumMod val="50000"/>
+              </a:schemeClr>
+            </a:solidFill>
+          </a:ln>
+          <a:scene3d>
+            <a:camera prst="isometricBottomDown"/>
+            <a:lightRig rig="threePt" dir="t"/>
+          </a:scene3d>
+          <a:sp3d>
+            <a:bevelT w="114300" prst="artDeco"/>
+          </a:sp3d>
+        </p:spPr>
+        <p:style>
+          <a:lnRef idx="2">
+            <a:schemeClr val="accent1">
+              <a:shade val="50000"/>
+            </a:schemeClr>
+          </a:lnRef>
+          <a:fillRef idx="1">
+            <a:schemeClr val="accent1"/>
+          </a:fillRef>
+          <a:effectRef idx="0">
+            <a:schemeClr val="accent1"/>
+          </a:effectRef>
+          <a:fontRef idx="minor">
+            <a:schemeClr val="lt1"/>
+          </a:fontRef>
+        </p:style>
+        <p:txBody>
+          <a:bodyPr rtlCol="0" anchor="ctr"/>
+          <a:lstStyle/>
+          <a:p>
+            <a:pPr algn="ctr"/>
+            <a:endParaRPr lang="en-PH"/>
+          </a:p>
+        </p:txBody>
+      </p:sp>
+      <p:grpSp>
+        <p:nvGrpSpPr>
+          <p:cNvPr id="95" name="Group 94">
+            <a:extLst>
+              <a:ext uri="{FF2B5EF4-FFF2-40B4-BE49-F238E27FC236}">
+                <a16:creationId xmlns:a16="http://schemas.microsoft.com/office/drawing/2014/main" id="{57056732-DA33-470D-8A87-05E13B01F797}"/>
+              </a:ext>
+            </a:extLst>
+          </p:cNvPr>
+          <p:cNvGrpSpPr/>
+          <p:nvPr/>
+        </p:nvGrpSpPr>
+        <p:grpSpPr>
+          <a:xfrm>
+            <a:off x="4831207" y="659105"/>
+            <a:ext cx="2529586" cy="411768"/>
+            <a:chOff x="9412840" y="2931742"/>
+            <a:chExt cx="2529586" cy="411768"/>
+          </a:xfrm>
+        </p:grpSpPr>
+        <p:grpSp>
+          <p:nvGrpSpPr>
+            <p:cNvPr id="16" name="Group 15">
+              <a:extLst>
+                <a:ext uri="{FF2B5EF4-FFF2-40B4-BE49-F238E27FC236}">
+                  <a16:creationId xmlns:a16="http://schemas.microsoft.com/office/drawing/2014/main" id="{0C67C97B-57DF-4274-914F-EFC0837371C9}"/>
+                </a:ext>
+              </a:extLst>
+            </p:cNvPr>
+            <p:cNvGrpSpPr/>
+            <p:nvPr/>
+          </p:nvGrpSpPr>
+          <p:grpSpPr>
+            <a:xfrm>
+              <a:off x="9412840" y="2943400"/>
+              <a:ext cx="851325" cy="400110"/>
+              <a:chOff x="5461136" y="594568"/>
+              <a:chExt cx="851325" cy="400110"/>
+            </a:xfrm>
+          </p:grpSpPr>
+          <p:sp>
+            <p:nvSpPr>
+              <p:cNvPr id="14" name="Oval 13">
+                <a:extLst>
+                  <a:ext uri="{FF2B5EF4-FFF2-40B4-BE49-F238E27FC236}">
+                    <a16:creationId xmlns:a16="http://schemas.microsoft.com/office/drawing/2014/main" id="{9567546C-5FB5-43A5-8344-FF5F43B95F3A}"/>
+                  </a:ext>
+                </a:extLst>
+              </p:cNvPr>
+              <p:cNvSpPr/>
+              <p:nvPr/>
+            </p:nvSpPr>
+            <p:spPr>
+              <a:xfrm>
+                <a:off x="5461136" y="617668"/>
+                <a:ext cx="350867" cy="350867"/>
+              </a:xfrm>
+              <a:prstGeom prst="ellipse">
+                <a:avLst/>
+              </a:prstGeom>
+              <a:scene3d>
+                <a:camera prst="perspectiveHeroicExtremeLeftFacing"/>
+                <a:lightRig rig="threePt" dir="t"/>
+              </a:scene3d>
+              <a:sp3d>
+                <a:bevelT prst="slope"/>
+              </a:sp3d>
+            </p:spPr>
+            <p:style>
+              <a:lnRef idx="1">
+                <a:schemeClr val="accent4"/>
+              </a:lnRef>
+              <a:fillRef idx="3">
+                <a:schemeClr val="accent4"/>
+              </a:fillRef>
+              <a:effectRef idx="2">
+                <a:schemeClr val="accent4"/>
+              </a:effectRef>
+              <a:fontRef idx="minor">
+                <a:schemeClr val="lt1"/>
+              </a:fontRef>
+            </p:style>
+            <p:txBody>
+              <a:bodyPr rtlCol="0" anchor="ctr"/>
+              <a:lstStyle/>
+              <a:p>
+                <a:pPr algn="ctr"/>
+                <a:endParaRPr lang="en-PH"/>
+              </a:p>
+            </p:txBody>
+          </p:sp>
+          <p:sp>
+            <p:nvSpPr>
+              <p:cNvPr id="15" name="Rectangle 14">
+                <a:extLst>
+                  <a:ext uri="{FF2B5EF4-FFF2-40B4-BE49-F238E27FC236}">
+                    <a16:creationId xmlns:a16="http://schemas.microsoft.com/office/drawing/2014/main" id="{A4B253F6-F08D-4FCA-ABE4-9DB31D976FFF}"/>
+                  </a:ext>
+                </a:extLst>
+              </p:cNvPr>
+              <p:cNvSpPr/>
+              <p:nvPr/>
+            </p:nvSpPr>
+            <p:spPr>
+              <a:xfrm>
+                <a:off x="5812003" y="594568"/>
+                <a:ext cx="500458" cy="400110"/>
+              </a:xfrm>
+              <a:prstGeom prst="rect">
+                <a:avLst/>
+              </a:prstGeom>
+              <a:noFill/>
+            </p:spPr>
+            <p:txBody>
+              <a:bodyPr wrap="none" lIns="91440" tIns="45720" rIns="91440" bIns="45720">
+                <a:spAutoFit/>
+              </a:bodyPr>
+              <a:lstStyle/>
+              <a:p>
+                <a:pPr algn="ctr"/>
+                <a:r>
+                  <a:rPr lang="en-US" sz="2000" b="0" cap="none" spc="0" dirty="0">
+                    <a:ln w="0"/>
+                    <a:solidFill>
+                      <a:schemeClr val="accent4">
+                        <a:lumMod val="50000"/>
+                      </a:schemeClr>
+                    </a:solidFill>
+                    <a:effectLst>
+                      <a:outerShdw blurRad="38100" dist="19050" dir="2700000" algn="tl" rotWithShape="0">
+                        <a:schemeClr val="dk1">
+                          <a:alpha val="40000"/>
+                        </a:schemeClr>
+                      </a:outerShdw>
+                    </a:effectLst>
+                    <a:latin typeface="Montserrat" panose="00000500000000000000" pitchFamily="2" charset="0"/>
+                  </a:rPr>
+                  <a:t>50</a:t>
+                </a:r>
+              </a:p>
+            </p:txBody>
+          </p:sp>
+        </p:grpSp>
+        <p:grpSp>
+          <p:nvGrpSpPr>
+            <p:cNvPr id="17" name="Group 16">
+              <a:extLst>
+                <a:ext uri="{FF2B5EF4-FFF2-40B4-BE49-F238E27FC236}">
+                  <a16:creationId xmlns:a16="http://schemas.microsoft.com/office/drawing/2014/main" id="{299A03EE-7352-4AE6-8BFF-0385764D67FF}"/>
+                </a:ext>
+              </a:extLst>
+            </p:cNvPr>
+            <p:cNvGrpSpPr/>
+            <p:nvPr/>
+          </p:nvGrpSpPr>
+          <p:grpSpPr>
+            <a:xfrm>
+              <a:off x="10337331" y="2931742"/>
+              <a:ext cx="766366" cy="400110"/>
+              <a:chOff x="5461136" y="594568"/>
+              <a:chExt cx="766366" cy="400110"/>
+            </a:xfrm>
+          </p:grpSpPr>
+          <p:sp>
+            <p:nvSpPr>
+              <p:cNvPr id="18" name="Lightning Bolt 17">
+                <a:extLst>
+                  <a:ext uri="{FF2B5EF4-FFF2-40B4-BE49-F238E27FC236}">
+                    <a16:creationId xmlns:a16="http://schemas.microsoft.com/office/drawing/2014/main" id="{0BDD9E77-D002-4C3B-83A2-1575F8BE1748}"/>
+                  </a:ext>
+                </a:extLst>
+              </p:cNvPr>
+              <p:cNvSpPr/>
+              <p:nvPr/>
+            </p:nvSpPr>
+            <p:spPr>
+              <a:xfrm>
+                <a:off x="5461136" y="617668"/>
+                <a:ext cx="350867" cy="350867"/>
+              </a:xfrm>
+              <a:prstGeom prst="lightningBolt">
+                <a:avLst/>
+              </a:prstGeom>
+              <a:scene3d>
+                <a:camera prst="perspectiveHeroicExtremeLeftFacing"/>
+                <a:lightRig rig="threePt" dir="t"/>
+              </a:scene3d>
+              <a:sp3d>
+                <a:bevelT prst="slope"/>
+              </a:sp3d>
+            </p:spPr>
+            <p:style>
+              <a:lnRef idx="1">
+                <a:schemeClr val="accent4"/>
+              </a:lnRef>
+              <a:fillRef idx="3">
+                <a:schemeClr val="accent4"/>
+              </a:fillRef>
+              <a:effectRef idx="2">
+                <a:schemeClr val="accent4"/>
+              </a:effectRef>
+              <a:fontRef idx="minor">
+                <a:schemeClr val="lt1"/>
+              </a:fontRef>
+            </p:style>
+            <p:txBody>
+              <a:bodyPr rtlCol="0" anchor="ctr"/>
+              <a:lstStyle/>
+              <a:p>
+                <a:pPr algn="ctr"/>
+                <a:endParaRPr lang="en-PH"/>
+              </a:p>
+            </p:txBody>
+          </p:sp>
+          <p:sp>
+            <p:nvSpPr>
+              <p:cNvPr id="19" name="Rectangle 18">
+                <a:extLst>
+                  <a:ext uri="{FF2B5EF4-FFF2-40B4-BE49-F238E27FC236}">
+                    <a16:creationId xmlns:a16="http://schemas.microsoft.com/office/drawing/2014/main" id="{67948617-3708-42EE-AA31-B117C7047F8B}"/>
+                  </a:ext>
+                </a:extLst>
+              </p:cNvPr>
+              <p:cNvSpPr/>
+              <p:nvPr/>
+            </p:nvSpPr>
+            <p:spPr>
+              <a:xfrm>
+                <a:off x="5896962" y="594568"/>
+                <a:ext cx="330540" cy="400110"/>
+              </a:xfrm>
+              <a:prstGeom prst="rect">
+                <a:avLst/>
+              </a:prstGeom>
+              <a:noFill/>
+            </p:spPr>
+            <p:txBody>
+              <a:bodyPr wrap="none" lIns="91440" tIns="45720" rIns="91440" bIns="45720">
+                <a:spAutoFit/>
+              </a:bodyPr>
+              <a:lstStyle/>
+              <a:p>
+                <a:pPr algn="ctr"/>
+                <a:r>
+                  <a:rPr lang="en-US" sz="2000" b="0" cap="none" spc="0" dirty="0">
+                    <a:ln w="0"/>
+                    <a:solidFill>
+                      <a:schemeClr val="accent4">
+                        <a:lumMod val="50000"/>
+                      </a:schemeClr>
+                    </a:solidFill>
+                    <a:effectLst>
+                      <a:outerShdw blurRad="38100" dist="19050" dir="2700000" algn="tl" rotWithShape="0">
+                        <a:schemeClr val="dk1">
+                          <a:alpha val="40000"/>
+                        </a:schemeClr>
+                      </a:outerShdw>
+                    </a:effectLst>
+                    <a:latin typeface="Montserrat" panose="00000500000000000000" pitchFamily="2" charset="0"/>
+                  </a:rPr>
+                  <a:t>2</a:t>
+                </a:r>
+              </a:p>
+            </p:txBody>
+          </p:sp>
+        </p:grpSp>
+        <p:grpSp>
+          <p:nvGrpSpPr>
+            <p:cNvPr id="92" name="Group 91">
+              <a:extLst>
+                <a:ext uri="{FF2B5EF4-FFF2-40B4-BE49-F238E27FC236}">
+                  <a16:creationId xmlns:a16="http://schemas.microsoft.com/office/drawing/2014/main" id="{BE3280BB-CB2E-46A2-A5DA-D6D0A6FA29F0}"/>
+                </a:ext>
+              </a:extLst>
+            </p:cNvPr>
+            <p:cNvGrpSpPr/>
+            <p:nvPr/>
+          </p:nvGrpSpPr>
+          <p:grpSpPr>
+            <a:xfrm>
+              <a:off x="11176862" y="2931742"/>
+              <a:ext cx="765564" cy="400110"/>
+              <a:chOff x="5461136" y="594568"/>
+              <a:chExt cx="765564" cy="400110"/>
+            </a:xfrm>
+          </p:grpSpPr>
+          <p:sp>
+            <p:nvSpPr>
+              <p:cNvPr id="93" name="Heart 92">
+                <a:extLst>
+                  <a:ext uri="{FF2B5EF4-FFF2-40B4-BE49-F238E27FC236}">
+                    <a16:creationId xmlns:a16="http://schemas.microsoft.com/office/drawing/2014/main" id="{D84F6DFC-8B2C-461E-BCF4-B54433D8CA04}"/>
+                  </a:ext>
+                </a:extLst>
+              </p:cNvPr>
+              <p:cNvSpPr/>
+              <p:nvPr/>
+            </p:nvSpPr>
+            <p:spPr>
+              <a:xfrm>
+                <a:off x="5461136" y="617668"/>
+                <a:ext cx="350867" cy="350867"/>
+              </a:xfrm>
+              <a:prstGeom prst="heart">
+                <a:avLst/>
+              </a:prstGeom>
+              <a:scene3d>
+                <a:camera prst="perspectiveHeroicExtremeLeftFacing"/>
+                <a:lightRig rig="threePt" dir="t"/>
+              </a:scene3d>
+              <a:sp3d>
+                <a:bevelT prst="slope"/>
+              </a:sp3d>
+            </p:spPr>
+            <p:style>
+              <a:lnRef idx="1">
+                <a:schemeClr val="accent4"/>
+              </a:lnRef>
+              <a:fillRef idx="3">
+                <a:schemeClr val="accent4"/>
+              </a:fillRef>
+              <a:effectRef idx="2">
+                <a:schemeClr val="accent4"/>
+              </a:effectRef>
+              <a:fontRef idx="minor">
+                <a:schemeClr val="lt1"/>
+              </a:fontRef>
+            </p:style>
+            <p:txBody>
+              <a:bodyPr rtlCol="0" anchor="ctr"/>
+              <a:lstStyle/>
+              <a:p>
+                <a:pPr algn="ctr"/>
+                <a:endParaRPr lang="en-PH"/>
+              </a:p>
+            </p:txBody>
+          </p:sp>
+          <p:sp>
+            <p:nvSpPr>
+              <p:cNvPr id="94" name="Rectangle 93">
+                <a:extLst>
+                  <a:ext uri="{FF2B5EF4-FFF2-40B4-BE49-F238E27FC236}">
+                    <a16:creationId xmlns:a16="http://schemas.microsoft.com/office/drawing/2014/main" id="{7846B42D-A77C-4038-840C-FB5264B88B1D}"/>
+                  </a:ext>
+                </a:extLst>
+              </p:cNvPr>
+              <p:cNvSpPr/>
+              <p:nvPr/>
+            </p:nvSpPr>
+            <p:spPr>
+              <a:xfrm>
+                <a:off x="5897764" y="594568"/>
+                <a:ext cx="328936" cy="400110"/>
+              </a:xfrm>
+              <a:prstGeom prst="rect">
+                <a:avLst/>
+              </a:prstGeom>
+              <a:noFill/>
+            </p:spPr>
+            <p:txBody>
+              <a:bodyPr wrap="none" lIns="91440" tIns="45720" rIns="91440" bIns="45720">
+                <a:spAutoFit/>
+              </a:bodyPr>
+              <a:lstStyle/>
+              <a:p>
+                <a:pPr algn="ctr"/>
+                <a:r>
+                  <a:rPr lang="en-US" sz="2000" dirty="0">
+                    <a:ln w="0"/>
+                    <a:solidFill>
+                      <a:schemeClr val="accent4">
+                        <a:lumMod val="50000"/>
+                      </a:schemeClr>
+                    </a:solidFill>
+                    <a:effectLst>
+                      <a:outerShdw blurRad="38100" dist="19050" dir="2700000" algn="tl" rotWithShape="0">
+                        <a:schemeClr val="dk1">
+                          <a:alpha val="40000"/>
+                        </a:schemeClr>
+                      </a:outerShdw>
+                    </a:effectLst>
+                    <a:latin typeface="Montserrat" panose="00000500000000000000" pitchFamily="2" charset="0"/>
+                  </a:rPr>
+                  <a:t>3</a:t>
+                </a:r>
+                <a:endParaRPr lang="en-US" sz="2000" b="0" cap="none" spc="0" dirty="0">
+                  <a:ln w="0"/>
+                  <a:solidFill>
+                    <a:schemeClr val="accent4">
+                      <a:lumMod val="50000"/>
+                    </a:schemeClr>
+                  </a:solidFill>
+                  <a:effectLst>
+                    <a:outerShdw blurRad="38100" dist="19050" dir="2700000" algn="tl" rotWithShape="0">
+                      <a:schemeClr val="dk1">
+                        <a:alpha val="40000"/>
+                      </a:schemeClr>
+                    </a:outerShdw>
+                  </a:effectLst>
+                  <a:latin typeface="Montserrat" panose="00000500000000000000" pitchFamily="2" charset="0"/>
+                </a:endParaRPr>
+              </a:p>
+            </p:txBody>
+          </p:sp>
+        </p:grpSp>
+      </p:grpSp>
+      <p:grpSp>
+        <p:nvGrpSpPr>
+          <p:cNvPr id="111" name="Group 110">
+            <a:extLst>
+              <a:ext uri="{FF2B5EF4-FFF2-40B4-BE49-F238E27FC236}">
+                <a16:creationId xmlns:a16="http://schemas.microsoft.com/office/drawing/2014/main" id="{B6C8554E-9B26-48D3-BA91-D6C67A1CB24A}"/>
+              </a:ext>
+            </a:extLst>
+          </p:cNvPr>
+          <p:cNvGrpSpPr/>
+          <p:nvPr/>
+        </p:nvGrpSpPr>
+        <p:grpSpPr>
+          <a:xfrm>
+            <a:off x="5053812" y="1156487"/>
+            <a:ext cx="2084377" cy="300586"/>
+            <a:chOff x="5239731" y="1156487"/>
+            <a:chExt cx="2084377" cy="300586"/>
+          </a:xfrm>
+        </p:grpSpPr>
+        <p:grpSp>
+          <p:nvGrpSpPr>
+            <p:cNvPr id="7" name="Group 6">
+              <a:extLst>
+                <a:ext uri="{FF2B5EF4-FFF2-40B4-BE49-F238E27FC236}">
+                  <a16:creationId xmlns:a16="http://schemas.microsoft.com/office/drawing/2014/main" id="{BF5D62A1-AD8B-4246-ACAC-3D8987350D3C}"/>
+                </a:ext>
+              </a:extLst>
+            </p:cNvPr>
+            <p:cNvGrpSpPr/>
+            <p:nvPr/>
+          </p:nvGrpSpPr>
+          <p:grpSpPr>
+            <a:xfrm>
+              <a:off x="5239731" y="1218140"/>
+              <a:ext cx="1706365" cy="177281"/>
+              <a:chOff x="2268476" y="727788"/>
+              <a:chExt cx="6381001" cy="1548881"/>
+            </a:xfrm>
+          </p:grpSpPr>
+          <p:sp>
+            <p:nvSpPr>
+              <p:cNvPr id="5" name="Rectangle: Rounded Corners 4">
+                <a:extLst>
+                  <a:ext uri="{FF2B5EF4-FFF2-40B4-BE49-F238E27FC236}">
+                    <a16:creationId xmlns:a16="http://schemas.microsoft.com/office/drawing/2014/main" id="{1271590E-6CCA-4A7F-90AA-F5F6B65BB433}"/>
+                  </a:ext>
+                </a:extLst>
+              </p:cNvPr>
+              <p:cNvSpPr/>
+              <p:nvPr/>
+            </p:nvSpPr>
+            <p:spPr>
+              <a:xfrm>
+                <a:off x="2268476" y="727788"/>
+                <a:ext cx="6381001" cy="1548881"/>
+              </a:xfrm>
+              <a:prstGeom prst="roundRect">
+                <a:avLst>
+                  <a:gd name="adj" fmla="val 50000"/>
+                </a:avLst>
+              </a:prstGeom>
+              <a:solidFill>
+                <a:schemeClr val="bg1"/>
+              </a:solidFill>
+            </p:spPr>
+            <p:style>
+              <a:lnRef idx="2">
+                <a:schemeClr val="accent1">
+                  <a:shade val="50000"/>
+                </a:schemeClr>
+              </a:lnRef>
+              <a:fillRef idx="1">
+                <a:schemeClr val="accent1"/>
+              </a:fillRef>
+              <a:effectRef idx="0">
+                <a:schemeClr val="accent1"/>
+              </a:effectRef>
+              <a:fontRef idx="minor">
+                <a:schemeClr val="lt1"/>
+              </a:fontRef>
+            </p:style>
+            <p:txBody>
+              <a:bodyPr rtlCol="0" anchor="ctr"/>
+              <a:lstStyle/>
+              <a:p>
+                <a:pPr algn="ctr"/>
+                <a:endParaRPr lang="en-PH"/>
+              </a:p>
+            </p:txBody>
+          </p:sp>
+          <p:sp>
+            <p:nvSpPr>
+              <p:cNvPr id="6" name="Rectangle: Rounded Corners 5">
+                <a:extLst>
+                  <a:ext uri="{FF2B5EF4-FFF2-40B4-BE49-F238E27FC236}">
+                    <a16:creationId xmlns:a16="http://schemas.microsoft.com/office/drawing/2014/main" id="{BC3136E4-B62E-4120-B02F-7AD00FF6469D}"/>
+                  </a:ext>
+                </a:extLst>
+              </p:cNvPr>
+              <p:cNvSpPr/>
+              <p:nvPr/>
+            </p:nvSpPr>
+            <p:spPr>
+              <a:xfrm>
+                <a:off x="2511069" y="942392"/>
+                <a:ext cx="3311233" cy="1119674"/>
+              </a:xfrm>
+              <a:prstGeom prst="roundRect">
+                <a:avLst>
+                  <a:gd name="adj" fmla="val 50000"/>
+                </a:avLst>
+              </a:prstGeom>
+            </p:spPr>
+            <p:style>
+              <a:lnRef idx="2">
+                <a:schemeClr val="accent6">
+                  <a:shade val="50000"/>
+                </a:schemeClr>
+              </a:lnRef>
+              <a:fillRef idx="1">
+                <a:schemeClr val="accent6"/>
+              </a:fillRef>
+              <a:effectRef idx="0">
+                <a:schemeClr val="accent6"/>
+              </a:effectRef>
+              <a:fontRef idx="minor">
+                <a:schemeClr val="lt1"/>
+              </a:fontRef>
+            </p:style>
+            <p:txBody>
+              <a:bodyPr rtlCol="0" anchor="ctr"/>
+              <a:lstStyle/>
+              <a:p>
+                <a:pPr algn="ctr"/>
+                <a:endParaRPr lang="en-PH"/>
+              </a:p>
+            </p:txBody>
+          </p:sp>
+        </p:grpSp>
+        <p:sp>
+          <p:nvSpPr>
+            <p:cNvPr id="110" name="Teardrop 109">
+              <a:extLst>
+                <a:ext uri="{FF2B5EF4-FFF2-40B4-BE49-F238E27FC236}">
+                  <a16:creationId xmlns:a16="http://schemas.microsoft.com/office/drawing/2014/main" id="{47151B53-806F-4D43-ACF9-5794E2D7AF3F}"/>
+                </a:ext>
+              </a:extLst>
+            </p:cNvPr>
+            <p:cNvSpPr/>
+            <p:nvPr/>
+          </p:nvSpPr>
+          <p:spPr>
+            <a:xfrm>
+              <a:off x="7023522" y="1156487"/>
+              <a:ext cx="300586" cy="300586"/>
+            </a:xfrm>
+            <a:prstGeom prst="teardrop">
+              <a:avLst/>
+            </a:prstGeom>
+            <a:scene3d>
+              <a:camera prst="orthographicFront"/>
+              <a:lightRig rig="threePt" dir="t"/>
+            </a:scene3d>
+            <a:sp3d>
+              <a:bevelT w="114300" prst="artDeco"/>
+            </a:sp3d>
+          </p:spPr>
+          <p:style>
+            <a:lnRef idx="2">
+              <a:schemeClr val="accent6">
+                <a:shade val="50000"/>
+              </a:schemeClr>
+            </a:lnRef>
+            <a:fillRef idx="1">
+              <a:schemeClr val="accent6"/>
+            </a:fillRef>
+            <a:effectRef idx="0">
+              <a:schemeClr val="accent6"/>
+            </a:effectRef>
+            <a:fontRef idx="minor">
+              <a:schemeClr val="lt1"/>
+            </a:fontRef>
+          </p:style>
+          <p:txBody>
+            <a:bodyPr rtlCol="0" anchor="ctr"/>
+            <a:lstStyle/>
+            <a:p>
+              <a:pPr algn="ctr"/>
+              <a:endParaRPr lang="en-PH"/>
+            </a:p>
+          </p:txBody>
+        </p:sp>
+      </p:grpSp>
+    </p:spTree>
+    <p:extLst>
+      <p:ext uri="{BB962C8B-B14F-4D97-AF65-F5344CB8AC3E}">
+        <p14:creationId xmlns:p14="http://schemas.microsoft.com/office/powerpoint/2010/main" val="2547537167"/>
+      </p:ext>
+    </p:extLst>
+  </p:cSld>
+  <p:clrMapOvr>
+    <a:masterClrMapping/>
+  </p:clrMapOvr>
+</p:sld>
+</file>
+
+<file path=ppt/slides/slide2.xml><?xml version="1.0" encoding="utf-8"?>
 <p:sld xmlns:a="http://schemas.openxmlformats.org/drawingml/2006/main" xmlns:r="http://schemas.openxmlformats.org/officeDocument/2006/relationships" xmlns:p="http://schemas.openxmlformats.org/presentationml/2006/main">
   <p:cSld>
     <p:spTree>
@@ -4655,7 +5969,7 @@
 </p:sld>
 </file>
 
-<file path=ppt/slides/slide2.xml><?xml version="1.0" encoding="utf-8"?>
+<file path=ppt/slides/slide3.xml><?xml version="1.0" encoding="utf-8"?>
 <p:sld xmlns:a="http://schemas.openxmlformats.org/drawingml/2006/main" xmlns:r="http://schemas.openxmlformats.org/officeDocument/2006/relationships" xmlns:p="http://schemas.openxmlformats.org/presentationml/2006/main">
   <p:cSld>
     <p:spTree>
